--- a/clases/Cap07_Morphologia/presentations/IMG07_Mediana.pptx
+++ b/clases/Cap07_Morphologia/presentations/IMG07_Mediana.pptx
@@ -5,7 +5,7 @@
     <p:sldMasterId id="2147483648" r:id="rId1"/>
   </p:sldMasterIdLst>
   <p:notesMasterIdLst>
-    <p:notesMasterId r:id="rId21"/>
+    <p:notesMasterId r:id="rId23"/>
   </p:notesMasterIdLst>
   <p:sldIdLst>
     <p:sldId id="270" r:id="rId2"/>
@@ -25,8 +25,10 @@
     <p:sldId id="808" r:id="rId16"/>
     <p:sldId id="796" r:id="rId17"/>
     <p:sldId id="797" r:id="rId18"/>
-    <p:sldId id="810" r:id="rId19"/>
-    <p:sldId id="798" r:id="rId20"/>
+    <p:sldId id="812" r:id="rId19"/>
+    <p:sldId id="811" r:id="rId20"/>
+    <p:sldId id="810" r:id="rId21"/>
+    <p:sldId id="798" r:id="rId22"/>
   </p:sldIdLst>
   <p:sldSz cx="9144000" cy="6858000" type="screen4x3"/>
   <p:notesSz cx="6858000" cy="9144000"/>
@@ -226,7 +228,7 @@
           <a:p>
             <a:fld id="{A31E74E5-43EB-8941-84E7-E76CE2DEF1CC}" type="datetimeFigureOut">
               <a:rPr lang="en-US" smtClean="0"/>
-              <a:t>11/4/20</a:t>
+              <a:t>10/31/23</a:t>
             </a:fld>
             <a:endParaRPr lang="en-US"/>
           </a:p>
@@ -765,7 +767,7 @@
           <a:p>
             <a:fld id="{8BD5799D-8AC1-7647-9F4D-35F314575207}" type="datetimeFigureOut">
               <a:rPr lang="en-US" smtClean="0"/>
-              <a:t>11/4/20</a:t>
+              <a:t>10/31/23</a:t>
             </a:fld>
             <a:endParaRPr lang="en-US"/>
           </a:p>
@@ -933,7 +935,7 @@
           <a:p>
             <a:fld id="{8BD5799D-8AC1-7647-9F4D-35F314575207}" type="datetimeFigureOut">
               <a:rPr lang="en-US" smtClean="0"/>
-              <a:t>11/4/20</a:t>
+              <a:t>10/31/23</a:t>
             </a:fld>
             <a:endParaRPr lang="en-US"/>
           </a:p>
@@ -1111,7 +1113,7 @@
           <a:p>
             <a:fld id="{8BD5799D-8AC1-7647-9F4D-35F314575207}" type="datetimeFigureOut">
               <a:rPr lang="en-US" smtClean="0"/>
-              <a:t>11/4/20</a:t>
+              <a:t>10/31/23</a:t>
             </a:fld>
             <a:endParaRPr lang="en-US"/>
           </a:p>
@@ -1279,7 +1281,7 @@
           <a:p>
             <a:fld id="{8BD5799D-8AC1-7647-9F4D-35F314575207}" type="datetimeFigureOut">
               <a:rPr lang="en-US" smtClean="0"/>
-              <a:t>11/4/20</a:t>
+              <a:t>10/31/23</a:t>
             </a:fld>
             <a:endParaRPr lang="en-US"/>
           </a:p>
@@ -1524,7 +1526,7 @@
           <a:p>
             <a:fld id="{8BD5799D-8AC1-7647-9F4D-35F314575207}" type="datetimeFigureOut">
               <a:rPr lang="en-US" smtClean="0"/>
-              <a:t>11/4/20</a:t>
+              <a:t>10/31/23</a:t>
             </a:fld>
             <a:endParaRPr lang="en-US"/>
           </a:p>
@@ -1809,7 +1811,7 @@
           <a:p>
             <a:fld id="{8BD5799D-8AC1-7647-9F4D-35F314575207}" type="datetimeFigureOut">
               <a:rPr lang="en-US" smtClean="0"/>
-              <a:t>11/4/20</a:t>
+              <a:t>10/31/23</a:t>
             </a:fld>
             <a:endParaRPr lang="en-US"/>
           </a:p>
@@ -2228,7 +2230,7 @@
           <a:p>
             <a:fld id="{8BD5799D-8AC1-7647-9F4D-35F314575207}" type="datetimeFigureOut">
               <a:rPr lang="en-US" smtClean="0"/>
-              <a:t>11/4/20</a:t>
+              <a:t>10/31/23</a:t>
             </a:fld>
             <a:endParaRPr lang="en-US"/>
           </a:p>
@@ -2345,7 +2347,7 @@
           <a:p>
             <a:fld id="{8BD5799D-8AC1-7647-9F4D-35F314575207}" type="datetimeFigureOut">
               <a:rPr lang="en-US" smtClean="0"/>
-              <a:t>11/4/20</a:t>
+              <a:t>10/31/23</a:t>
             </a:fld>
             <a:endParaRPr lang="en-US"/>
           </a:p>
@@ -2440,7 +2442,7 @@
           <a:p>
             <a:fld id="{8BD5799D-8AC1-7647-9F4D-35F314575207}" type="datetimeFigureOut">
               <a:rPr lang="en-US" smtClean="0"/>
-              <a:t>11/4/20</a:t>
+              <a:t>10/31/23</a:t>
             </a:fld>
             <a:endParaRPr lang="en-US"/>
           </a:p>
@@ -2715,7 +2717,7 @@
           <a:p>
             <a:fld id="{8BD5799D-8AC1-7647-9F4D-35F314575207}" type="datetimeFigureOut">
               <a:rPr lang="en-US" smtClean="0"/>
-              <a:t>11/4/20</a:t>
+              <a:t>10/31/23</a:t>
             </a:fld>
             <a:endParaRPr lang="en-US"/>
           </a:p>
@@ -2967,7 +2969,7 @@
           <a:p>
             <a:fld id="{8BD5799D-8AC1-7647-9F4D-35F314575207}" type="datetimeFigureOut">
               <a:rPr lang="en-US" smtClean="0"/>
-              <a:t>11/4/20</a:t>
+              <a:t>10/31/23</a:t>
             </a:fld>
             <a:endParaRPr lang="en-US"/>
           </a:p>
@@ -3178,7 +3180,7 @@
           <a:p>
             <a:fld id="{8BD5799D-8AC1-7647-9F4D-35F314575207}" type="datetimeFigureOut">
               <a:rPr lang="en-US" smtClean="0"/>
-              <a:t>11/4/20</a:t>
+              <a:t>10/31/23</a:t>
             </a:fld>
             <a:endParaRPr lang="en-US"/>
           </a:p>
@@ -7065,16 +7067,15 @@
           </p:cNvPicPr>
           <p:nvPr/>
         </p:nvPicPr>
-        <p:blipFill>
+        <p:blipFill rotWithShape="1">
           <a:blip r:embed="rId2"/>
-          <a:stretch>
-            <a:fillRect/>
-          </a:stretch>
+          <a:srcRect r="61755"/>
+          <a:stretch/>
         </p:blipFill>
         <p:spPr>
           <a:xfrm>
-            <a:off x="388609" y="1126262"/>
-            <a:ext cx="8755391" cy="3336960"/>
+            <a:off x="388610" y="1126262"/>
+            <a:ext cx="3348504" cy="3336960"/>
           </a:xfrm>
           <a:prstGeom prst="rect">
             <a:avLst/>
@@ -7371,69 +7372,41 @@
           <a:chExt cx="0" cy="0"/>
         </a:xfrm>
       </p:grpSpPr>
-      <p:sp>
-        <p:nvSpPr>
-          <p:cNvPr id="4" name="TextBox 3">
+      <p:pic>
+        <p:nvPicPr>
+          <p:cNvPr id="3" name="Picture 2">
             <a:extLst>
               <a:ext uri="{FF2B5EF4-FFF2-40B4-BE49-F238E27FC236}">
-                <a16:creationId xmlns:a16="http://schemas.microsoft.com/office/drawing/2014/main" id="{273D766E-D9A4-DC4B-A456-262A43B1C87D}"/>
+                <a16:creationId xmlns:a16="http://schemas.microsoft.com/office/drawing/2014/main" id="{D0EE30E4-03A7-114A-A293-569D9DB83062}"/>
               </a:ext>
             </a:extLst>
           </p:cNvPr>
-          <p:cNvSpPr txBox="1"/>
-          <p:nvPr/>
-        </p:nvSpPr>
-        <p:spPr>
-          <a:xfrm>
-            <a:off x="715617" y="337130"/>
-            <a:ext cx="8039500" cy="954107"/>
+          <p:cNvPicPr>
+            <a:picLocks noChangeAspect="1"/>
+          </p:cNvPicPr>
+          <p:nvPr/>
+        </p:nvPicPr>
+        <p:blipFill rotWithShape="1">
+          <a:blip r:embed="rId2"/>
+          <a:srcRect r="32694"/>
+          <a:stretch/>
+        </p:blipFill>
+        <p:spPr>
+          <a:xfrm>
+            <a:off x="388609" y="1126262"/>
+            <a:ext cx="5892921" cy="3336960"/>
           </a:xfrm>
           <a:prstGeom prst="rect">
             <a:avLst/>
           </a:prstGeom>
-          <a:noFill/>
-        </p:spPr>
-        <p:txBody>
-          <a:bodyPr wrap="square" rtlCol="0">
-            <a:spAutoFit/>
-          </a:bodyPr>
-          <a:lstStyle/>
-          <a:p>
-            <a:r>
-              <a:rPr lang="es-ES_tradnl" sz="2800" dirty="0">
-                <a:solidFill>
-                  <a:srgbClr val="FF9300"/>
-                </a:solidFill>
-                <a:latin typeface="Trebuchet MS" panose="020B0703020202090204" pitchFamily="34" charset="0"/>
-              </a:rPr>
-              <a:t>Aplicación de la Mediana en imágenes:</a:t>
-            </a:r>
-            <a:endParaRPr lang="es-ES_tradnl" sz="2800" dirty="0">
-              <a:solidFill>
-                <a:srgbClr val="0070C0"/>
-              </a:solidFill>
-              <a:latin typeface="Trebuchet MS" panose="020B0703020202090204" pitchFamily="34" charset="0"/>
-            </a:endParaRPr>
-          </a:p>
-          <a:p>
-            <a:r>
-              <a:rPr lang="es-ES_tradnl" sz="2800" dirty="0">
-                <a:solidFill>
-                  <a:srgbClr val="0070C0"/>
-                </a:solidFill>
-                <a:latin typeface="Trebuchet MS" panose="020B0703020202090204" pitchFamily="34" charset="0"/>
-              </a:rPr>
-              <a:t>Detección de Defectos</a:t>
-            </a:r>
-          </a:p>
-        </p:txBody>
-      </p:sp>
-      <p:sp>
-        <p:nvSpPr>
-          <p:cNvPr id="5" name="Rounded Rectangle 4">
+        </p:spPr>
+      </p:pic>
+      <p:sp>
+        <p:nvSpPr>
+          <p:cNvPr id="4" name="Rectangle 3">
             <a:extLst>
               <a:ext uri="{FF2B5EF4-FFF2-40B4-BE49-F238E27FC236}">
-                <a16:creationId xmlns:a16="http://schemas.microsoft.com/office/drawing/2014/main" id="{A14BACD7-1DEE-A541-AAFC-AC3CB1B75A67}"/>
+                <a16:creationId xmlns:a16="http://schemas.microsoft.com/office/drawing/2014/main" id="{7F775EED-035C-194A-B0C8-964E39C676AA}"/>
               </a:ext>
             </a:extLst>
           </p:cNvPr>
@@ -7442,12 +7415,19 @@
         </p:nvSpPr>
         <p:spPr>
           <a:xfrm>
-            <a:off x="2701159" y="2942897"/>
-            <a:ext cx="1282261" cy="1219200"/>
-          </a:xfrm>
-          <a:prstGeom prst="roundRect">
-            <a:avLst/>
-          </a:prstGeom>
+            <a:off x="483476" y="1450428"/>
+            <a:ext cx="672662" cy="178675"/>
+          </a:xfrm>
+          <a:prstGeom prst="rect">
+            <a:avLst/>
+          </a:prstGeom>
+          <a:solidFill>
+            <a:schemeClr val="bg1"/>
+          </a:solidFill>
+          <a:ln>
+            <a:noFill/>
+          </a:ln>
+          <a:effectLst/>
         </p:spPr>
         <p:style>
           <a:lnRef idx="1">
@@ -7468,33 +7448,61 @@
           <a:lstStyle/>
           <a:p>
             <a:pPr algn="ctr"/>
-            <a:r>
-              <a:rPr lang="en-US" dirty="0" err="1"/>
-              <a:t>Mediana</a:t>
-            </a:r>
             <a:endParaRPr lang="en-US" dirty="0"/>
           </a:p>
         </p:txBody>
       </p:sp>
-      <p:cxnSp>
-        <p:nvCxnSpPr>
-          <p:cNvPr id="7" name="Straight Arrow Connector 6">
+      <p:sp>
+        <p:nvSpPr>
+          <p:cNvPr id="2" name="TextBox 1">
             <a:extLst>
               <a:ext uri="{FF2B5EF4-FFF2-40B4-BE49-F238E27FC236}">
-                <a16:creationId xmlns:a16="http://schemas.microsoft.com/office/drawing/2014/main" id="{6723E5BD-B04C-BE4C-9DEC-134B968573D0}"/>
+                <a16:creationId xmlns:a16="http://schemas.microsoft.com/office/drawing/2014/main" id="{1D340A49-0473-5D42-AA66-8DEDDC896DA1}"/>
               </a:ext>
             </a:extLst>
           </p:cNvPr>
-          <p:cNvCxnSpPr>
-            <a:cxnSpLocks/>
-            <a:endCxn id="5" idx="1"/>
-          </p:cNvCxnSpPr>
+          <p:cNvSpPr txBox="1"/>
+          <p:nvPr/>
+        </p:nvSpPr>
+        <p:spPr>
+          <a:xfrm>
+            <a:off x="483476" y="1355099"/>
+            <a:ext cx="679994" cy="369332"/>
+          </a:xfrm>
+          <a:prstGeom prst="rect">
+            <a:avLst/>
+          </a:prstGeom>
+          <a:noFill/>
+        </p:spPr>
+        <p:txBody>
+          <a:bodyPr wrap="none" rtlCol="0">
+            <a:spAutoFit/>
+          </a:bodyPr>
+          <a:lstStyle/>
+          <a:p>
+            <a:r>
+              <a:rPr lang="en-US" dirty="0"/>
+              <a:t>input</a:t>
+            </a:r>
+          </a:p>
+        </p:txBody>
+      </p:sp>
+      <p:cxnSp>
+        <p:nvCxnSpPr>
+          <p:cNvPr id="6" name="Straight Arrow Connector 5">
+            <a:extLst>
+              <a:ext uri="{FF2B5EF4-FFF2-40B4-BE49-F238E27FC236}">
+                <a16:creationId xmlns:a16="http://schemas.microsoft.com/office/drawing/2014/main" id="{7AB7D18F-F818-5541-A8AB-508F4BCB6D02}"/>
+              </a:ext>
+            </a:extLst>
+          </p:cNvPr>
+          <p:cNvCxnSpPr/>
           <p:nvPr/>
         </p:nvCxnSpPr>
         <p:spPr>
           <a:xfrm>
-            <a:off x="1019503" y="3541986"/>
-            <a:ext cx="1681656" cy="0"/>
+            <a:off x="2837793" y="704193"/>
+            <a:ext cx="1397876" cy="0"/>
           </a:xfrm>
           <a:prstGeom prst="straightConnector1">
             <a:avLst/>
@@ -7518,26 +7526,71 @@
           </a:fontRef>
         </p:style>
       </p:cxnSp>
+      <p:sp>
+        <p:nvSpPr>
+          <p:cNvPr id="7" name="TextBox 6">
+            <a:extLst>
+              <a:ext uri="{FF2B5EF4-FFF2-40B4-BE49-F238E27FC236}">
+                <a16:creationId xmlns:a16="http://schemas.microsoft.com/office/drawing/2014/main" id="{8E9DBD2F-20AC-364E-9DE1-0E701B3D17CD}"/>
+              </a:ext>
+            </a:extLst>
+          </p:cNvPr>
+          <p:cNvSpPr txBox="1"/>
+          <p:nvPr/>
+        </p:nvSpPr>
+        <p:spPr>
+          <a:xfrm>
+            <a:off x="257504" y="4616358"/>
+            <a:ext cx="1770993" cy="646331"/>
+          </a:xfrm>
+          <a:prstGeom prst="rect">
+            <a:avLst/>
+          </a:prstGeom>
+          <a:noFill/>
+        </p:spPr>
+        <p:txBody>
+          <a:bodyPr wrap="square" rtlCol="0">
+            <a:spAutoFit/>
+          </a:bodyPr>
+          <a:lstStyle/>
+          <a:p>
+            <a:r>
+              <a:rPr lang="en-US" dirty="0" err="1"/>
+              <a:t>Tamaño</a:t>
+            </a:r>
+            <a:r>
+              <a:rPr lang="en-US" dirty="0"/>
+              <a:t> de la </a:t>
+            </a:r>
+            <a:r>
+              <a:rPr lang="en-US" dirty="0" err="1"/>
+              <a:t>máscara</a:t>
+            </a:r>
+            <a:r>
+              <a:rPr lang="en-US" dirty="0"/>
+              <a:t> m x m</a:t>
+            </a:r>
+          </a:p>
+        </p:txBody>
+      </p:sp>
       <p:cxnSp>
         <p:nvCxnSpPr>
           <p:cNvPr id="8" name="Straight Arrow Connector 7">
             <a:extLst>
               <a:ext uri="{FF2B5EF4-FFF2-40B4-BE49-F238E27FC236}">
-                <a16:creationId xmlns:a16="http://schemas.microsoft.com/office/drawing/2014/main" id="{5A6D1CCB-0DA8-4944-9AD7-7B5C406AE532}"/>
+                <a16:creationId xmlns:a16="http://schemas.microsoft.com/office/drawing/2014/main" id="{BA63E5B3-AEB5-D143-98C2-EDFDA93087B2}"/>
               </a:ext>
             </a:extLst>
           </p:cNvPr>
           <p:cNvCxnSpPr>
             <a:cxnSpLocks/>
-            <a:stCxn id="5" idx="3"/>
-            <a:endCxn id="9" idx="2"/>
           </p:cNvCxnSpPr>
           <p:nvPr/>
         </p:nvCxnSpPr>
         <p:spPr>
-          <a:xfrm>
-            <a:off x="3983420" y="3552497"/>
-            <a:ext cx="483482" cy="1"/>
+          <a:xfrm flipH="1">
+            <a:off x="1103306" y="1865586"/>
+            <a:ext cx="15765" cy="2597636"/>
           </a:xfrm>
           <a:prstGeom prst="straightConnector1">
             <a:avLst/>
@@ -7563,561 +7616,55 @@
       </p:cxnSp>
       <p:sp>
         <p:nvSpPr>
-          <p:cNvPr id="9" name="Oval 8">
+          <p:cNvPr id="11" name="TextBox 10">
             <a:extLst>
               <a:ext uri="{FF2B5EF4-FFF2-40B4-BE49-F238E27FC236}">
-                <a16:creationId xmlns:a16="http://schemas.microsoft.com/office/drawing/2014/main" id="{BB7E1FC0-E637-FA4A-BC6B-F9C2A1FDDBA3}"/>
+                <a16:creationId xmlns:a16="http://schemas.microsoft.com/office/drawing/2014/main" id="{D4761BBE-F06B-9847-8298-B2EF811AC4B7}"/>
               </a:ext>
             </a:extLst>
           </p:cNvPr>
-          <p:cNvSpPr/>
-          <p:nvPr/>
-        </p:nvSpPr>
-        <p:spPr>
-          <a:xfrm>
-            <a:off x="4466902" y="3226677"/>
-            <a:ext cx="651641" cy="651641"/>
-          </a:xfrm>
-          <a:prstGeom prst="ellipse">
-            <a:avLst/>
-          </a:prstGeom>
-        </p:spPr>
-        <p:style>
-          <a:lnRef idx="1">
-            <a:schemeClr val="accent1"/>
-          </a:lnRef>
-          <a:fillRef idx="3">
-            <a:schemeClr val="accent1"/>
-          </a:fillRef>
-          <a:effectRef idx="2">
-            <a:schemeClr val="accent1"/>
-          </a:effectRef>
-          <a:fontRef idx="minor">
-            <a:schemeClr val="lt1"/>
-          </a:fontRef>
-        </p:style>
-        <p:txBody>
-          <a:bodyPr rtlCol="0" anchor="ctr"/>
-          <a:lstStyle/>
-          <a:p>
-            <a:pPr algn="ctr"/>
-            <a:endParaRPr lang="en-US"/>
-          </a:p>
-        </p:txBody>
-      </p:sp>
-      <p:cxnSp>
-        <p:nvCxnSpPr>
-          <p:cNvPr id="12" name="Elbow Connector 11">
-            <a:extLst>
-              <a:ext uri="{FF2B5EF4-FFF2-40B4-BE49-F238E27FC236}">
-                <a16:creationId xmlns:a16="http://schemas.microsoft.com/office/drawing/2014/main" id="{334240BF-3123-CD4E-B698-4BC11B6DE8CA}"/>
-              </a:ext>
-            </a:extLst>
-          </p:cNvPr>
-          <p:cNvCxnSpPr>
-            <a:cxnSpLocks/>
-            <a:endCxn id="9" idx="4"/>
-          </p:cNvCxnSpPr>
-          <p:nvPr/>
-        </p:nvCxnSpPr>
-        <p:spPr>
-          <a:xfrm rot="16200000" flipH="1">
-            <a:off x="3097926" y="2183521"/>
-            <a:ext cx="336332" cy="3053261"/>
-          </a:xfrm>
-          <a:prstGeom prst="bentConnector3">
-            <a:avLst>
-              <a:gd name="adj1" fmla="val 264844"/>
-            </a:avLst>
-          </a:prstGeom>
-          <a:ln>
-            <a:tailEnd type="triangle"/>
-          </a:ln>
-        </p:spPr>
-        <p:style>
-          <a:lnRef idx="2">
-            <a:schemeClr val="accent1"/>
-          </a:lnRef>
-          <a:fillRef idx="0">
-            <a:schemeClr val="accent1"/>
-          </a:fillRef>
-          <a:effectRef idx="1">
-            <a:schemeClr val="accent1"/>
-          </a:effectRef>
-          <a:fontRef idx="minor">
-            <a:schemeClr val="tx1"/>
-          </a:fontRef>
-        </p:style>
-      </p:cxnSp>
-      <p:cxnSp>
-        <p:nvCxnSpPr>
-          <p:cNvPr id="15" name="Straight Connector 14">
-            <a:extLst>
-              <a:ext uri="{FF2B5EF4-FFF2-40B4-BE49-F238E27FC236}">
-                <a16:creationId xmlns:a16="http://schemas.microsoft.com/office/drawing/2014/main" id="{B1F53023-02F2-FF4C-998B-489F91515698}"/>
-              </a:ext>
-            </a:extLst>
-          </p:cNvPr>
-          <p:cNvCxnSpPr/>
-          <p:nvPr/>
-        </p:nvCxnSpPr>
-        <p:spPr>
-          <a:xfrm>
-            <a:off x="4666604" y="3573514"/>
-            <a:ext cx="262759" cy="0"/>
-          </a:xfrm>
-          <a:prstGeom prst="line">
-            <a:avLst/>
-          </a:prstGeom>
-          <a:ln w="63500">
-            <a:solidFill>
-              <a:schemeClr val="bg1"/>
-            </a:solidFill>
-          </a:ln>
-          <a:effectLst/>
-        </p:spPr>
-        <p:style>
-          <a:lnRef idx="2">
-            <a:schemeClr val="accent1"/>
-          </a:lnRef>
-          <a:fillRef idx="0">
-            <a:schemeClr val="accent1"/>
-          </a:fillRef>
-          <a:effectRef idx="1">
-            <a:schemeClr val="accent1"/>
-          </a:effectRef>
-          <a:fontRef idx="minor">
-            <a:schemeClr val="tx1"/>
-          </a:fontRef>
-        </p:style>
-      </p:cxnSp>
-      <p:cxnSp>
-        <p:nvCxnSpPr>
-          <p:cNvPr id="25" name="Straight Arrow Connector 24">
-            <a:extLst>
-              <a:ext uri="{FF2B5EF4-FFF2-40B4-BE49-F238E27FC236}">
-                <a16:creationId xmlns:a16="http://schemas.microsoft.com/office/drawing/2014/main" id="{1CD55089-702D-7342-9C20-A0F801A1C4CF}"/>
-              </a:ext>
-            </a:extLst>
-          </p:cNvPr>
-          <p:cNvCxnSpPr>
-            <a:cxnSpLocks/>
-          </p:cNvCxnSpPr>
-          <p:nvPr/>
-        </p:nvCxnSpPr>
-        <p:spPr>
-          <a:xfrm>
-            <a:off x="5118543" y="3557753"/>
-            <a:ext cx="483482" cy="1"/>
-          </a:xfrm>
-          <a:prstGeom prst="straightConnector1">
-            <a:avLst/>
-          </a:prstGeom>
-          <a:ln>
-            <a:tailEnd type="triangle"/>
-          </a:ln>
-        </p:spPr>
-        <p:style>
-          <a:lnRef idx="2">
-            <a:schemeClr val="accent1"/>
-          </a:lnRef>
-          <a:fillRef idx="0">
-            <a:schemeClr val="accent1"/>
-          </a:fillRef>
-          <a:effectRef idx="1">
-            <a:schemeClr val="accent1"/>
-          </a:effectRef>
-          <a:fontRef idx="minor">
-            <a:schemeClr val="tx1"/>
-          </a:fontRef>
-        </p:style>
-      </p:cxnSp>
-      <p:sp>
-        <p:nvSpPr>
-          <p:cNvPr id="26" name="Rounded Rectangle 25">
-            <a:extLst>
-              <a:ext uri="{FF2B5EF4-FFF2-40B4-BE49-F238E27FC236}">
-                <a16:creationId xmlns:a16="http://schemas.microsoft.com/office/drawing/2014/main" id="{81C684AA-6B12-174C-A620-C71315E65F2A}"/>
-              </a:ext>
-            </a:extLst>
-          </p:cNvPr>
-          <p:cNvSpPr/>
-          <p:nvPr/>
-        </p:nvSpPr>
-        <p:spPr>
-          <a:xfrm>
-            <a:off x="5602025" y="2974428"/>
-            <a:ext cx="1282261" cy="1219200"/>
-          </a:xfrm>
-          <a:prstGeom prst="roundRect">
-            <a:avLst/>
-          </a:prstGeom>
-        </p:spPr>
-        <p:style>
-          <a:lnRef idx="1">
-            <a:schemeClr val="accent1"/>
-          </a:lnRef>
-          <a:fillRef idx="3">
-            <a:schemeClr val="accent1"/>
-          </a:fillRef>
-          <a:effectRef idx="2">
-            <a:schemeClr val="accent1"/>
-          </a:effectRef>
-          <a:fontRef idx="minor">
-            <a:schemeClr val="lt1"/>
-          </a:fontRef>
-        </p:style>
-        <p:txBody>
-          <a:bodyPr rtlCol="0" anchor="ctr"/>
-          <a:lstStyle/>
-          <a:p>
-            <a:pPr algn="ctr"/>
+          <p:cNvSpPr txBox="1"/>
+          <p:nvPr/>
+        </p:nvSpPr>
+        <p:spPr>
+          <a:xfrm>
+            <a:off x="1550276" y="404649"/>
+            <a:ext cx="1292771" cy="646331"/>
+          </a:xfrm>
+          <a:prstGeom prst="rect">
+            <a:avLst/>
+          </a:prstGeom>
+          <a:noFill/>
+        </p:spPr>
+        <p:txBody>
+          <a:bodyPr wrap="square" rtlCol="0">
+            <a:spAutoFit/>
+          </a:bodyPr>
+          <a:lstStyle/>
+          <a:p>
+            <a:r>
+              <a:rPr lang="en-US" dirty="0" err="1"/>
+              <a:t>Tamaño</a:t>
+            </a:r>
             <a:r>
               <a:rPr lang="en-US" dirty="0"/>
-              <a:t>Umbral</a:t>
-            </a:r>
-          </a:p>
-        </p:txBody>
-      </p:sp>
-      <p:cxnSp>
-        <p:nvCxnSpPr>
-          <p:cNvPr id="27" name="Straight Arrow Connector 26">
-            <a:extLst>
-              <a:ext uri="{FF2B5EF4-FFF2-40B4-BE49-F238E27FC236}">
-                <a16:creationId xmlns:a16="http://schemas.microsoft.com/office/drawing/2014/main" id="{25F83630-8BAA-0B4B-9531-53B27CB0ED97}"/>
-              </a:ext>
-            </a:extLst>
-          </p:cNvPr>
-          <p:cNvCxnSpPr>
-            <a:cxnSpLocks/>
-          </p:cNvCxnSpPr>
-          <p:nvPr/>
-        </p:nvCxnSpPr>
-        <p:spPr>
-          <a:xfrm>
-            <a:off x="6884286" y="3552497"/>
-            <a:ext cx="1188000" cy="1"/>
-          </a:xfrm>
-          <a:prstGeom prst="straightConnector1">
-            <a:avLst/>
-          </a:prstGeom>
-          <a:ln>
-            <a:tailEnd type="triangle"/>
-          </a:ln>
-        </p:spPr>
-        <p:style>
-          <a:lnRef idx="2">
-            <a:schemeClr val="accent1"/>
-          </a:lnRef>
-          <a:fillRef idx="0">
-            <a:schemeClr val="accent1"/>
-          </a:fillRef>
-          <a:effectRef idx="1">
-            <a:schemeClr val="accent1"/>
-          </a:effectRef>
-          <a:fontRef idx="minor">
-            <a:schemeClr val="tx1"/>
-          </a:fontRef>
-        </p:style>
-      </p:cxnSp>
-      <p:pic>
-        <p:nvPicPr>
-          <p:cNvPr id="29" name="Picture 28">
-            <a:extLst>
-              <a:ext uri="{FF2B5EF4-FFF2-40B4-BE49-F238E27FC236}">
-                <a16:creationId xmlns:a16="http://schemas.microsoft.com/office/drawing/2014/main" id="{0789A9B7-E3E8-AD44-8B87-A5D27E7BEB46}"/>
-              </a:ext>
-            </a:extLst>
-          </p:cNvPr>
-          <p:cNvPicPr>
-            <a:picLocks noChangeAspect="1"/>
-          </p:cNvPicPr>
-          <p:nvPr/>
-        </p:nvPicPr>
-        <p:blipFill>
-          <a:blip r:embed="rId2"/>
-          <a:stretch>
-            <a:fillRect/>
-          </a:stretch>
-        </p:blipFill>
-        <p:spPr>
-          <a:xfrm>
-            <a:off x="6982353" y="1858835"/>
-            <a:ext cx="939800" cy="939800"/>
-          </a:xfrm>
-          <a:prstGeom prst="rect">
-            <a:avLst/>
-          </a:prstGeom>
-        </p:spPr>
-      </p:pic>
-      <p:pic>
-        <p:nvPicPr>
-          <p:cNvPr id="31" name="Picture 30">
-            <a:extLst>
-              <a:ext uri="{FF2B5EF4-FFF2-40B4-BE49-F238E27FC236}">
-                <a16:creationId xmlns:a16="http://schemas.microsoft.com/office/drawing/2014/main" id="{44287709-AC7A-B340-9E9D-D4DA1F4F433B}"/>
-              </a:ext>
-            </a:extLst>
-          </p:cNvPr>
-          <p:cNvPicPr>
-            <a:picLocks noChangeAspect="1"/>
-          </p:cNvPicPr>
-          <p:nvPr/>
-        </p:nvPicPr>
-        <p:blipFill>
-          <a:blip r:embed="rId3"/>
-          <a:stretch>
-            <a:fillRect/>
-          </a:stretch>
-        </p:blipFill>
-        <p:spPr>
-          <a:xfrm>
-            <a:off x="3836277" y="1858835"/>
-            <a:ext cx="939800" cy="939800"/>
-          </a:xfrm>
-          <a:prstGeom prst="rect">
-            <a:avLst/>
-          </a:prstGeom>
-        </p:spPr>
-      </p:pic>
-      <p:pic>
-        <p:nvPicPr>
-          <p:cNvPr id="33" name="Picture 32">
-            <a:extLst>
-              <a:ext uri="{FF2B5EF4-FFF2-40B4-BE49-F238E27FC236}">
-                <a16:creationId xmlns:a16="http://schemas.microsoft.com/office/drawing/2014/main" id="{AE724AFA-2F23-084E-9C9B-C411AD4720AC}"/>
-              </a:ext>
-            </a:extLst>
-          </p:cNvPr>
-          <p:cNvPicPr>
-            <a:picLocks noChangeAspect="1"/>
-          </p:cNvPicPr>
-          <p:nvPr/>
-        </p:nvPicPr>
-        <p:blipFill>
-          <a:blip r:embed="rId4"/>
-          <a:stretch>
-            <a:fillRect/>
-          </a:stretch>
-        </p:blipFill>
-        <p:spPr>
-          <a:xfrm>
-            <a:off x="1280510" y="1858835"/>
-            <a:ext cx="939800" cy="939800"/>
-          </a:xfrm>
-          <a:prstGeom prst="rect">
-            <a:avLst/>
-          </a:prstGeom>
-        </p:spPr>
-      </p:pic>
-      <p:pic>
-        <p:nvPicPr>
-          <p:cNvPr id="34" name="Picture 33">
-            <a:extLst>
-              <a:ext uri="{FF2B5EF4-FFF2-40B4-BE49-F238E27FC236}">
-                <a16:creationId xmlns:a16="http://schemas.microsoft.com/office/drawing/2014/main" id="{A9423B67-2053-934E-ABB9-8C3DA85A5607}"/>
-              </a:ext>
-            </a:extLst>
-          </p:cNvPr>
-          <p:cNvPicPr>
-            <a:picLocks noChangeAspect="1"/>
-          </p:cNvPicPr>
-          <p:nvPr/>
-        </p:nvPicPr>
-        <p:blipFill>
-          <a:blip r:embed="rId5"/>
-          <a:stretch>
-            <a:fillRect/>
-          </a:stretch>
-        </p:blipFill>
-        <p:spPr>
-          <a:xfrm>
-            <a:off x="4918847" y="1868654"/>
-            <a:ext cx="939800" cy="939800"/>
-          </a:xfrm>
-          <a:prstGeom prst="rect">
-            <a:avLst/>
-          </a:prstGeom>
-        </p:spPr>
-      </p:pic>
-      <p:cxnSp>
-        <p:nvCxnSpPr>
-          <p:cNvPr id="36" name="Straight Connector 35">
-            <a:extLst>
-              <a:ext uri="{FF2B5EF4-FFF2-40B4-BE49-F238E27FC236}">
-                <a16:creationId xmlns:a16="http://schemas.microsoft.com/office/drawing/2014/main" id="{9A67D00A-51CB-FB4C-8FFA-41B7FE645B2B}"/>
-              </a:ext>
-            </a:extLst>
-          </p:cNvPr>
-          <p:cNvCxnSpPr>
-            <a:stCxn id="33" idx="2"/>
-          </p:cNvCxnSpPr>
-          <p:nvPr/>
-        </p:nvCxnSpPr>
-        <p:spPr>
-          <a:xfrm>
-            <a:off x="1750410" y="2798635"/>
-            <a:ext cx="0" cy="501612"/>
-          </a:xfrm>
-          <a:prstGeom prst="line">
-            <a:avLst/>
-          </a:prstGeom>
-          <a:ln w="12700">
-            <a:solidFill>
-              <a:schemeClr val="tx1"/>
-            </a:solidFill>
-            <a:prstDash val="dash"/>
-          </a:ln>
-          <a:effectLst/>
-        </p:spPr>
-        <p:style>
-          <a:lnRef idx="2">
-            <a:schemeClr val="accent1"/>
-          </a:lnRef>
-          <a:fillRef idx="0">
-            <a:schemeClr val="accent1"/>
-          </a:fillRef>
-          <a:effectRef idx="1">
-            <a:schemeClr val="accent1"/>
-          </a:effectRef>
-          <a:fontRef idx="minor">
-            <a:schemeClr val="tx1"/>
-          </a:fontRef>
-        </p:style>
-      </p:cxnSp>
-      <p:cxnSp>
-        <p:nvCxnSpPr>
-          <p:cNvPr id="37" name="Straight Connector 36">
-            <a:extLst>
-              <a:ext uri="{FF2B5EF4-FFF2-40B4-BE49-F238E27FC236}">
-                <a16:creationId xmlns:a16="http://schemas.microsoft.com/office/drawing/2014/main" id="{1D89D765-B31E-8940-8123-6024CCF5C93B}"/>
-              </a:ext>
-            </a:extLst>
-          </p:cNvPr>
-          <p:cNvCxnSpPr/>
-          <p:nvPr/>
-        </p:nvCxnSpPr>
-        <p:spPr>
-          <a:xfrm>
-            <a:off x="4306177" y="2808454"/>
-            <a:ext cx="0" cy="501612"/>
-          </a:xfrm>
-          <a:prstGeom prst="line">
-            <a:avLst/>
-          </a:prstGeom>
-          <a:ln w="12700">
-            <a:solidFill>
-              <a:schemeClr val="tx1"/>
-            </a:solidFill>
-            <a:prstDash val="dash"/>
-          </a:ln>
-          <a:effectLst/>
-        </p:spPr>
-        <p:style>
-          <a:lnRef idx="2">
-            <a:schemeClr val="accent1"/>
-          </a:lnRef>
-          <a:fillRef idx="0">
-            <a:schemeClr val="accent1"/>
-          </a:fillRef>
-          <a:effectRef idx="1">
-            <a:schemeClr val="accent1"/>
-          </a:effectRef>
-          <a:fontRef idx="minor">
-            <a:schemeClr val="tx1"/>
-          </a:fontRef>
-        </p:style>
-      </p:cxnSp>
-      <p:cxnSp>
-        <p:nvCxnSpPr>
-          <p:cNvPr id="38" name="Straight Connector 37">
-            <a:extLst>
-              <a:ext uri="{FF2B5EF4-FFF2-40B4-BE49-F238E27FC236}">
-                <a16:creationId xmlns:a16="http://schemas.microsoft.com/office/drawing/2014/main" id="{92C1716D-450A-9042-B8FD-9723380409B1}"/>
-              </a:ext>
-            </a:extLst>
-          </p:cNvPr>
-          <p:cNvCxnSpPr/>
-          <p:nvPr/>
-        </p:nvCxnSpPr>
-        <p:spPr>
-          <a:xfrm>
-            <a:off x="5362475" y="2803199"/>
-            <a:ext cx="0" cy="501612"/>
-          </a:xfrm>
-          <a:prstGeom prst="line">
-            <a:avLst/>
-          </a:prstGeom>
-          <a:ln w="12700">
-            <a:solidFill>
-              <a:schemeClr val="tx1"/>
-            </a:solidFill>
-            <a:prstDash val="dash"/>
-          </a:ln>
-          <a:effectLst/>
-        </p:spPr>
-        <p:style>
-          <a:lnRef idx="2">
-            <a:schemeClr val="accent1"/>
-          </a:lnRef>
-          <a:fillRef idx="0">
-            <a:schemeClr val="accent1"/>
-          </a:fillRef>
-          <a:effectRef idx="1">
-            <a:schemeClr val="accent1"/>
-          </a:effectRef>
-          <a:fontRef idx="minor">
-            <a:schemeClr val="tx1"/>
-          </a:fontRef>
-        </p:style>
-      </p:cxnSp>
-      <p:cxnSp>
-        <p:nvCxnSpPr>
-          <p:cNvPr id="39" name="Straight Connector 38">
-            <a:extLst>
-              <a:ext uri="{FF2B5EF4-FFF2-40B4-BE49-F238E27FC236}">
-                <a16:creationId xmlns:a16="http://schemas.microsoft.com/office/drawing/2014/main" id="{DA5ED0BC-DC97-4D45-B7EF-C991463AF343}"/>
-              </a:ext>
-            </a:extLst>
-          </p:cNvPr>
-          <p:cNvCxnSpPr/>
-          <p:nvPr/>
-        </p:nvCxnSpPr>
-        <p:spPr>
-          <a:xfrm>
-            <a:off x="7459707" y="2798635"/>
-            <a:ext cx="0" cy="501612"/>
-          </a:xfrm>
-          <a:prstGeom prst="line">
-            <a:avLst/>
-          </a:prstGeom>
-          <a:ln w="12700">
-            <a:solidFill>
-              <a:schemeClr val="tx1"/>
-            </a:solidFill>
-            <a:prstDash val="dash"/>
-          </a:ln>
-          <a:effectLst/>
-        </p:spPr>
-        <p:style>
-          <a:lnRef idx="2">
-            <a:schemeClr val="accent1"/>
-          </a:lnRef>
-          <a:fillRef idx="0">
-            <a:schemeClr val="accent1"/>
-          </a:fillRef>
-          <a:effectRef idx="1">
-            <a:schemeClr val="accent1"/>
-          </a:effectRef>
-          <a:fontRef idx="minor">
-            <a:schemeClr val="tx1"/>
-          </a:fontRef>
-        </p:style>
-      </p:cxnSp>
+              <a:t> del </a:t>
+            </a:r>
+            <a:r>
+              <a:rPr lang="en-US" dirty="0" err="1"/>
+              <a:t>objeto</a:t>
+            </a:r>
+            <a:r>
+              <a:rPr lang="en-US" dirty="0"/>
+              <a:t> n x n</a:t>
+            </a:r>
+          </a:p>
+        </p:txBody>
+      </p:sp>
     </p:spTree>
     <p:extLst>
       <p:ext uri="{BB962C8B-B14F-4D97-AF65-F5344CB8AC3E}">
-        <p14:creationId xmlns:p14="http://schemas.microsoft.com/office/powerpoint/2010/main" val="1138853012"/>
+        <p14:creationId xmlns:p14="http://schemas.microsoft.com/office/powerpoint/2010/main" val="1546891585"/>
       </p:ext>
     </p:extLst>
   </p:cSld>
@@ -8146,10 +7693,10 @@
       </p:grpSpPr>
       <p:pic>
         <p:nvPicPr>
-          <p:cNvPr id="4" name="Picture 3">
+          <p:cNvPr id="3" name="Picture 2">
             <a:extLst>
               <a:ext uri="{FF2B5EF4-FFF2-40B4-BE49-F238E27FC236}">
-                <a16:creationId xmlns:a16="http://schemas.microsoft.com/office/drawing/2014/main" id="{52C3B7CF-75BE-E647-AA03-774E05A5D7B7}"/>
+                <a16:creationId xmlns:a16="http://schemas.microsoft.com/office/drawing/2014/main" id="{D0EE30E4-03A7-114A-A293-569D9DB83062}"/>
               </a:ext>
             </a:extLst>
           </p:cNvPr>
@@ -8166,18 +7713,278 @@
         </p:blipFill>
         <p:spPr>
           <a:xfrm>
-            <a:off x="0" y="1079967"/>
-            <a:ext cx="9144000" cy="4698066"/>
+            <a:off x="388609" y="1126262"/>
+            <a:ext cx="8755391" cy="3336960"/>
           </a:xfrm>
           <a:prstGeom prst="rect">
             <a:avLst/>
           </a:prstGeom>
         </p:spPr>
       </p:pic>
+      <p:sp>
+        <p:nvSpPr>
+          <p:cNvPr id="4" name="Rectangle 3">
+            <a:extLst>
+              <a:ext uri="{FF2B5EF4-FFF2-40B4-BE49-F238E27FC236}">
+                <a16:creationId xmlns:a16="http://schemas.microsoft.com/office/drawing/2014/main" id="{7F775EED-035C-194A-B0C8-964E39C676AA}"/>
+              </a:ext>
+            </a:extLst>
+          </p:cNvPr>
+          <p:cNvSpPr/>
+          <p:nvPr/>
+        </p:nvSpPr>
+        <p:spPr>
+          <a:xfrm>
+            <a:off x="483476" y="1450428"/>
+            <a:ext cx="672662" cy="178675"/>
+          </a:xfrm>
+          <a:prstGeom prst="rect">
+            <a:avLst/>
+          </a:prstGeom>
+          <a:solidFill>
+            <a:schemeClr val="bg1"/>
+          </a:solidFill>
+          <a:ln>
+            <a:noFill/>
+          </a:ln>
+          <a:effectLst/>
+        </p:spPr>
+        <p:style>
+          <a:lnRef idx="1">
+            <a:schemeClr val="accent1"/>
+          </a:lnRef>
+          <a:fillRef idx="3">
+            <a:schemeClr val="accent1"/>
+          </a:fillRef>
+          <a:effectRef idx="2">
+            <a:schemeClr val="accent1"/>
+          </a:effectRef>
+          <a:fontRef idx="minor">
+            <a:schemeClr val="lt1"/>
+          </a:fontRef>
+        </p:style>
+        <p:txBody>
+          <a:bodyPr rtlCol="0" anchor="ctr"/>
+          <a:lstStyle/>
+          <a:p>
+            <a:pPr algn="ctr"/>
+            <a:endParaRPr lang="en-US" dirty="0"/>
+          </a:p>
+        </p:txBody>
+      </p:sp>
+      <p:sp>
+        <p:nvSpPr>
+          <p:cNvPr id="2" name="TextBox 1">
+            <a:extLst>
+              <a:ext uri="{FF2B5EF4-FFF2-40B4-BE49-F238E27FC236}">
+                <a16:creationId xmlns:a16="http://schemas.microsoft.com/office/drawing/2014/main" id="{1D340A49-0473-5D42-AA66-8DEDDC896DA1}"/>
+              </a:ext>
+            </a:extLst>
+          </p:cNvPr>
+          <p:cNvSpPr txBox="1"/>
+          <p:nvPr/>
+        </p:nvSpPr>
+        <p:spPr>
+          <a:xfrm>
+            <a:off x="483476" y="1355099"/>
+            <a:ext cx="679994" cy="369332"/>
+          </a:xfrm>
+          <a:prstGeom prst="rect">
+            <a:avLst/>
+          </a:prstGeom>
+          <a:noFill/>
+        </p:spPr>
+        <p:txBody>
+          <a:bodyPr wrap="none" rtlCol="0">
+            <a:spAutoFit/>
+          </a:bodyPr>
+          <a:lstStyle/>
+          <a:p>
+            <a:r>
+              <a:rPr lang="en-US" dirty="0"/>
+              <a:t>input</a:t>
+            </a:r>
+          </a:p>
+        </p:txBody>
+      </p:sp>
+      <p:cxnSp>
+        <p:nvCxnSpPr>
+          <p:cNvPr id="6" name="Straight Arrow Connector 5">
+            <a:extLst>
+              <a:ext uri="{FF2B5EF4-FFF2-40B4-BE49-F238E27FC236}">
+                <a16:creationId xmlns:a16="http://schemas.microsoft.com/office/drawing/2014/main" id="{7AB7D18F-F818-5541-A8AB-508F4BCB6D02}"/>
+              </a:ext>
+            </a:extLst>
+          </p:cNvPr>
+          <p:cNvCxnSpPr/>
+          <p:nvPr/>
+        </p:nvCxnSpPr>
+        <p:spPr>
+          <a:xfrm>
+            <a:off x="2837793" y="704193"/>
+            <a:ext cx="1397876" cy="0"/>
+          </a:xfrm>
+          <a:prstGeom prst="straightConnector1">
+            <a:avLst/>
+          </a:prstGeom>
+          <a:ln>
+            <a:tailEnd type="triangle"/>
+          </a:ln>
+        </p:spPr>
+        <p:style>
+          <a:lnRef idx="2">
+            <a:schemeClr val="accent1"/>
+          </a:lnRef>
+          <a:fillRef idx="0">
+            <a:schemeClr val="accent1"/>
+          </a:fillRef>
+          <a:effectRef idx="1">
+            <a:schemeClr val="accent1"/>
+          </a:effectRef>
+          <a:fontRef idx="minor">
+            <a:schemeClr val="tx1"/>
+          </a:fontRef>
+        </p:style>
+      </p:cxnSp>
+      <p:sp>
+        <p:nvSpPr>
+          <p:cNvPr id="7" name="TextBox 6">
+            <a:extLst>
+              <a:ext uri="{FF2B5EF4-FFF2-40B4-BE49-F238E27FC236}">
+                <a16:creationId xmlns:a16="http://schemas.microsoft.com/office/drawing/2014/main" id="{8E9DBD2F-20AC-364E-9DE1-0E701B3D17CD}"/>
+              </a:ext>
+            </a:extLst>
+          </p:cNvPr>
+          <p:cNvSpPr txBox="1"/>
+          <p:nvPr/>
+        </p:nvSpPr>
+        <p:spPr>
+          <a:xfrm>
+            <a:off x="257504" y="4616358"/>
+            <a:ext cx="1770993" cy="646331"/>
+          </a:xfrm>
+          <a:prstGeom prst="rect">
+            <a:avLst/>
+          </a:prstGeom>
+          <a:noFill/>
+        </p:spPr>
+        <p:txBody>
+          <a:bodyPr wrap="square" rtlCol="0">
+            <a:spAutoFit/>
+          </a:bodyPr>
+          <a:lstStyle/>
+          <a:p>
+            <a:r>
+              <a:rPr lang="en-US" dirty="0" err="1"/>
+              <a:t>Tamaño</a:t>
+            </a:r>
+            <a:r>
+              <a:rPr lang="en-US" dirty="0"/>
+              <a:t> de la </a:t>
+            </a:r>
+            <a:r>
+              <a:rPr lang="en-US" dirty="0" err="1"/>
+              <a:t>máscara</a:t>
+            </a:r>
+            <a:r>
+              <a:rPr lang="en-US" dirty="0"/>
+              <a:t> m x m</a:t>
+            </a:r>
+          </a:p>
+        </p:txBody>
+      </p:sp>
+      <p:cxnSp>
+        <p:nvCxnSpPr>
+          <p:cNvPr id="8" name="Straight Arrow Connector 7">
+            <a:extLst>
+              <a:ext uri="{FF2B5EF4-FFF2-40B4-BE49-F238E27FC236}">
+                <a16:creationId xmlns:a16="http://schemas.microsoft.com/office/drawing/2014/main" id="{BA63E5B3-AEB5-D143-98C2-EDFDA93087B2}"/>
+              </a:ext>
+            </a:extLst>
+          </p:cNvPr>
+          <p:cNvCxnSpPr>
+            <a:cxnSpLocks/>
+          </p:cNvCxnSpPr>
+          <p:nvPr/>
+        </p:nvCxnSpPr>
+        <p:spPr>
+          <a:xfrm flipH="1">
+            <a:off x="1103306" y="1865586"/>
+            <a:ext cx="15765" cy="2597636"/>
+          </a:xfrm>
+          <a:prstGeom prst="straightConnector1">
+            <a:avLst/>
+          </a:prstGeom>
+          <a:ln>
+            <a:tailEnd type="triangle"/>
+          </a:ln>
+        </p:spPr>
+        <p:style>
+          <a:lnRef idx="2">
+            <a:schemeClr val="accent1"/>
+          </a:lnRef>
+          <a:fillRef idx="0">
+            <a:schemeClr val="accent1"/>
+          </a:fillRef>
+          <a:effectRef idx="1">
+            <a:schemeClr val="accent1"/>
+          </a:effectRef>
+          <a:fontRef idx="minor">
+            <a:schemeClr val="tx1"/>
+          </a:fontRef>
+        </p:style>
+      </p:cxnSp>
+      <p:sp>
+        <p:nvSpPr>
+          <p:cNvPr id="11" name="TextBox 10">
+            <a:extLst>
+              <a:ext uri="{FF2B5EF4-FFF2-40B4-BE49-F238E27FC236}">
+                <a16:creationId xmlns:a16="http://schemas.microsoft.com/office/drawing/2014/main" id="{D4761BBE-F06B-9847-8298-B2EF811AC4B7}"/>
+              </a:ext>
+            </a:extLst>
+          </p:cNvPr>
+          <p:cNvSpPr txBox="1"/>
+          <p:nvPr/>
+        </p:nvSpPr>
+        <p:spPr>
+          <a:xfrm>
+            <a:off x="1550276" y="404649"/>
+            <a:ext cx="1292771" cy="646331"/>
+          </a:xfrm>
+          <a:prstGeom prst="rect">
+            <a:avLst/>
+          </a:prstGeom>
+          <a:noFill/>
+        </p:spPr>
+        <p:txBody>
+          <a:bodyPr wrap="square" rtlCol="0">
+            <a:spAutoFit/>
+          </a:bodyPr>
+          <a:lstStyle/>
+          <a:p>
+            <a:r>
+              <a:rPr lang="en-US" dirty="0" err="1"/>
+              <a:t>Tamaño</a:t>
+            </a:r>
+            <a:r>
+              <a:rPr lang="en-US" dirty="0"/>
+              <a:t> del </a:t>
+            </a:r>
+            <a:r>
+              <a:rPr lang="en-US" dirty="0" err="1"/>
+              <a:t>objeto</a:t>
+            </a:r>
+            <a:r>
+              <a:rPr lang="en-US" dirty="0"/>
+              <a:t> n x n</a:t>
+            </a:r>
+          </a:p>
+        </p:txBody>
+      </p:sp>
     </p:spTree>
     <p:extLst>
       <p:ext uri="{BB962C8B-B14F-4D97-AF65-F5344CB8AC3E}">
-        <p14:creationId xmlns:p14="http://schemas.microsoft.com/office/powerpoint/2010/main" val="254183198"/>
+        <p14:creationId xmlns:p14="http://schemas.microsoft.com/office/powerpoint/2010/main" val="1255924482"/>
       </p:ext>
     </p:extLst>
   </p:cSld>
@@ -8778,6 +8585,839 @@
       <p:bldP spid="6" grpId="1"/>
     </p:bldLst>
   </p:timing>
+</p:sld>
+</file>
+
+<file path=ppt/slides/slide20.xml><?xml version="1.0" encoding="utf-8"?>
+<p:sld xmlns:a="http://schemas.openxmlformats.org/drawingml/2006/main" xmlns:r="http://schemas.openxmlformats.org/officeDocument/2006/relationships" xmlns:p="http://schemas.openxmlformats.org/presentationml/2006/main">
+  <p:cSld>
+    <p:spTree>
+      <p:nvGrpSpPr>
+        <p:cNvPr id="1" name=""/>
+        <p:cNvGrpSpPr/>
+        <p:nvPr/>
+      </p:nvGrpSpPr>
+      <p:grpSpPr>
+        <a:xfrm>
+          <a:off x="0" y="0"/>
+          <a:ext cx="0" cy="0"/>
+          <a:chOff x="0" y="0"/>
+          <a:chExt cx="0" cy="0"/>
+        </a:xfrm>
+      </p:grpSpPr>
+      <p:sp>
+        <p:nvSpPr>
+          <p:cNvPr id="4" name="TextBox 3">
+            <a:extLst>
+              <a:ext uri="{FF2B5EF4-FFF2-40B4-BE49-F238E27FC236}">
+                <a16:creationId xmlns:a16="http://schemas.microsoft.com/office/drawing/2014/main" id="{273D766E-D9A4-DC4B-A456-262A43B1C87D}"/>
+              </a:ext>
+            </a:extLst>
+          </p:cNvPr>
+          <p:cNvSpPr txBox="1"/>
+          <p:nvPr/>
+        </p:nvSpPr>
+        <p:spPr>
+          <a:xfrm>
+            <a:off x="715617" y="337130"/>
+            <a:ext cx="8039500" cy="954107"/>
+          </a:xfrm>
+          <a:prstGeom prst="rect">
+            <a:avLst/>
+          </a:prstGeom>
+          <a:noFill/>
+        </p:spPr>
+        <p:txBody>
+          <a:bodyPr wrap="square" rtlCol="0">
+            <a:spAutoFit/>
+          </a:bodyPr>
+          <a:lstStyle/>
+          <a:p>
+            <a:r>
+              <a:rPr lang="es-ES_tradnl" sz="2800" dirty="0">
+                <a:solidFill>
+                  <a:srgbClr val="FF9300"/>
+                </a:solidFill>
+                <a:latin typeface="Trebuchet MS" panose="020B0703020202090204" pitchFamily="34" charset="0"/>
+              </a:rPr>
+              <a:t>Aplicación de la Mediana en imágenes:</a:t>
+            </a:r>
+            <a:endParaRPr lang="es-ES_tradnl" sz="2800" dirty="0">
+              <a:solidFill>
+                <a:srgbClr val="0070C0"/>
+              </a:solidFill>
+              <a:latin typeface="Trebuchet MS" panose="020B0703020202090204" pitchFamily="34" charset="0"/>
+            </a:endParaRPr>
+          </a:p>
+          <a:p>
+            <a:r>
+              <a:rPr lang="es-ES_tradnl" sz="2800" dirty="0">
+                <a:solidFill>
+                  <a:srgbClr val="0070C0"/>
+                </a:solidFill>
+                <a:latin typeface="Trebuchet MS" panose="020B0703020202090204" pitchFamily="34" charset="0"/>
+              </a:rPr>
+              <a:t>Detección de Defectos</a:t>
+            </a:r>
+          </a:p>
+        </p:txBody>
+      </p:sp>
+      <p:sp>
+        <p:nvSpPr>
+          <p:cNvPr id="5" name="Rounded Rectangle 4">
+            <a:extLst>
+              <a:ext uri="{FF2B5EF4-FFF2-40B4-BE49-F238E27FC236}">
+                <a16:creationId xmlns:a16="http://schemas.microsoft.com/office/drawing/2014/main" id="{A14BACD7-1DEE-A541-AAFC-AC3CB1B75A67}"/>
+              </a:ext>
+            </a:extLst>
+          </p:cNvPr>
+          <p:cNvSpPr/>
+          <p:nvPr/>
+        </p:nvSpPr>
+        <p:spPr>
+          <a:xfrm>
+            <a:off x="2701159" y="2942897"/>
+            <a:ext cx="1282261" cy="1219200"/>
+          </a:xfrm>
+          <a:prstGeom prst="roundRect">
+            <a:avLst/>
+          </a:prstGeom>
+        </p:spPr>
+        <p:style>
+          <a:lnRef idx="1">
+            <a:schemeClr val="accent1"/>
+          </a:lnRef>
+          <a:fillRef idx="3">
+            <a:schemeClr val="accent1"/>
+          </a:fillRef>
+          <a:effectRef idx="2">
+            <a:schemeClr val="accent1"/>
+          </a:effectRef>
+          <a:fontRef idx="minor">
+            <a:schemeClr val="lt1"/>
+          </a:fontRef>
+        </p:style>
+        <p:txBody>
+          <a:bodyPr rtlCol="0" anchor="ctr"/>
+          <a:lstStyle/>
+          <a:p>
+            <a:pPr algn="ctr"/>
+            <a:r>
+              <a:rPr lang="en-US" dirty="0" err="1"/>
+              <a:t>Mediana</a:t>
+            </a:r>
+            <a:endParaRPr lang="en-US" dirty="0"/>
+          </a:p>
+        </p:txBody>
+      </p:sp>
+      <p:cxnSp>
+        <p:nvCxnSpPr>
+          <p:cNvPr id="7" name="Straight Arrow Connector 6">
+            <a:extLst>
+              <a:ext uri="{FF2B5EF4-FFF2-40B4-BE49-F238E27FC236}">
+                <a16:creationId xmlns:a16="http://schemas.microsoft.com/office/drawing/2014/main" id="{6723E5BD-B04C-BE4C-9DEC-134B968573D0}"/>
+              </a:ext>
+            </a:extLst>
+          </p:cNvPr>
+          <p:cNvCxnSpPr>
+            <a:cxnSpLocks/>
+            <a:endCxn id="5" idx="1"/>
+          </p:cNvCxnSpPr>
+          <p:nvPr/>
+        </p:nvCxnSpPr>
+        <p:spPr>
+          <a:xfrm>
+            <a:off x="1019503" y="3541986"/>
+            <a:ext cx="1681656" cy="0"/>
+          </a:xfrm>
+          <a:prstGeom prst="straightConnector1">
+            <a:avLst/>
+          </a:prstGeom>
+          <a:ln>
+            <a:tailEnd type="triangle"/>
+          </a:ln>
+        </p:spPr>
+        <p:style>
+          <a:lnRef idx="2">
+            <a:schemeClr val="accent1"/>
+          </a:lnRef>
+          <a:fillRef idx="0">
+            <a:schemeClr val="accent1"/>
+          </a:fillRef>
+          <a:effectRef idx="1">
+            <a:schemeClr val="accent1"/>
+          </a:effectRef>
+          <a:fontRef idx="minor">
+            <a:schemeClr val="tx1"/>
+          </a:fontRef>
+        </p:style>
+      </p:cxnSp>
+      <p:cxnSp>
+        <p:nvCxnSpPr>
+          <p:cNvPr id="8" name="Straight Arrow Connector 7">
+            <a:extLst>
+              <a:ext uri="{FF2B5EF4-FFF2-40B4-BE49-F238E27FC236}">
+                <a16:creationId xmlns:a16="http://schemas.microsoft.com/office/drawing/2014/main" id="{5A6D1CCB-0DA8-4944-9AD7-7B5C406AE532}"/>
+              </a:ext>
+            </a:extLst>
+          </p:cNvPr>
+          <p:cNvCxnSpPr>
+            <a:cxnSpLocks/>
+            <a:stCxn id="5" idx="3"/>
+            <a:endCxn id="9" idx="2"/>
+          </p:cNvCxnSpPr>
+          <p:nvPr/>
+        </p:nvCxnSpPr>
+        <p:spPr>
+          <a:xfrm>
+            <a:off x="3983420" y="3552497"/>
+            <a:ext cx="483482" cy="1"/>
+          </a:xfrm>
+          <a:prstGeom prst="straightConnector1">
+            <a:avLst/>
+          </a:prstGeom>
+          <a:ln>
+            <a:tailEnd type="triangle"/>
+          </a:ln>
+        </p:spPr>
+        <p:style>
+          <a:lnRef idx="2">
+            <a:schemeClr val="accent1"/>
+          </a:lnRef>
+          <a:fillRef idx="0">
+            <a:schemeClr val="accent1"/>
+          </a:fillRef>
+          <a:effectRef idx="1">
+            <a:schemeClr val="accent1"/>
+          </a:effectRef>
+          <a:fontRef idx="minor">
+            <a:schemeClr val="tx1"/>
+          </a:fontRef>
+        </p:style>
+      </p:cxnSp>
+      <p:sp>
+        <p:nvSpPr>
+          <p:cNvPr id="9" name="Oval 8">
+            <a:extLst>
+              <a:ext uri="{FF2B5EF4-FFF2-40B4-BE49-F238E27FC236}">
+                <a16:creationId xmlns:a16="http://schemas.microsoft.com/office/drawing/2014/main" id="{BB7E1FC0-E637-FA4A-BC6B-F9C2A1FDDBA3}"/>
+              </a:ext>
+            </a:extLst>
+          </p:cNvPr>
+          <p:cNvSpPr/>
+          <p:nvPr/>
+        </p:nvSpPr>
+        <p:spPr>
+          <a:xfrm>
+            <a:off x="4466902" y="3226677"/>
+            <a:ext cx="651641" cy="651641"/>
+          </a:xfrm>
+          <a:prstGeom prst="ellipse">
+            <a:avLst/>
+          </a:prstGeom>
+        </p:spPr>
+        <p:style>
+          <a:lnRef idx="1">
+            <a:schemeClr val="accent1"/>
+          </a:lnRef>
+          <a:fillRef idx="3">
+            <a:schemeClr val="accent1"/>
+          </a:fillRef>
+          <a:effectRef idx="2">
+            <a:schemeClr val="accent1"/>
+          </a:effectRef>
+          <a:fontRef idx="minor">
+            <a:schemeClr val="lt1"/>
+          </a:fontRef>
+        </p:style>
+        <p:txBody>
+          <a:bodyPr rtlCol="0" anchor="ctr"/>
+          <a:lstStyle/>
+          <a:p>
+            <a:pPr algn="ctr"/>
+            <a:endParaRPr lang="en-US"/>
+          </a:p>
+        </p:txBody>
+      </p:sp>
+      <p:cxnSp>
+        <p:nvCxnSpPr>
+          <p:cNvPr id="12" name="Elbow Connector 11">
+            <a:extLst>
+              <a:ext uri="{FF2B5EF4-FFF2-40B4-BE49-F238E27FC236}">
+                <a16:creationId xmlns:a16="http://schemas.microsoft.com/office/drawing/2014/main" id="{334240BF-3123-CD4E-B698-4BC11B6DE8CA}"/>
+              </a:ext>
+            </a:extLst>
+          </p:cNvPr>
+          <p:cNvCxnSpPr>
+            <a:cxnSpLocks/>
+            <a:endCxn id="9" idx="4"/>
+          </p:cNvCxnSpPr>
+          <p:nvPr/>
+        </p:nvCxnSpPr>
+        <p:spPr>
+          <a:xfrm rot="16200000" flipH="1">
+            <a:off x="3097926" y="2183521"/>
+            <a:ext cx="336332" cy="3053261"/>
+          </a:xfrm>
+          <a:prstGeom prst="bentConnector3">
+            <a:avLst>
+              <a:gd name="adj1" fmla="val 264844"/>
+            </a:avLst>
+          </a:prstGeom>
+          <a:ln>
+            <a:tailEnd type="triangle"/>
+          </a:ln>
+        </p:spPr>
+        <p:style>
+          <a:lnRef idx="2">
+            <a:schemeClr val="accent1"/>
+          </a:lnRef>
+          <a:fillRef idx="0">
+            <a:schemeClr val="accent1"/>
+          </a:fillRef>
+          <a:effectRef idx="1">
+            <a:schemeClr val="accent1"/>
+          </a:effectRef>
+          <a:fontRef idx="minor">
+            <a:schemeClr val="tx1"/>
+          </a:fontRef>
+        </p:style>
+      </p:cxnSp>
+      <p:cxnSp>
+        <p:nvCxnSpPr>
+          <p:cNvPr id="15" name="Straight Connector 14">
+            <a:extLst>
+              <a:ext uri="{FF2B5EF4-FFF2-40B4-BE49-F238E27FC236}">
+                <a16:creationId xmlns:a16="http://schemas.microsoft.com/office/drawing/2014/main" id="{B1F53023-02F2-FF4C-998B-489F91515698}"/>
+              </a:ext>
+            </a:extLst>
+          </p:cNvPr>
+          <p:cNvCxnSpPr/>
+          <p:nvPr/>
+        </p:nvCxnSpPr>
+        <p:spPr>
+          <a:xfrm>
+            <a:off x="4666604" y="3573514"/>
+            <a:ext cx="262759" cy="0"/>
+          </a:xfrm>
+          <a:prstGeom prst="line">
+            <a:avLst/>
+          </a:prstGeom>
+          <a:ln w="63500">
+            <a:solidFill>
+              <a:schemeClr val="bg1"/>
+            </a:solidFill>
+          </a:ln>
+          <a:effectLst/>
+        </p:spPr>
+        <p:style>
+          <a:lnRef idx="2">
+            <a:schemeClr val="accent1"/>
+          </a:lnRef>
+          <a:fillRef idx="0">
+            <a:schemeClr val="accent1"/>
+          </a:fillRef>
+          <a:effectRef idx="1">
+            <a:schemeClr val="accent1"/>
+          </a:effectRef>
+          <a:fontRef idx="minor">
+            <a:schemeClr val="tx1"/>
+          </a:fontRef>
+        </p:style>
+      </p:cxnSp>
+      <p:cxnSp>
+        <p:nvCxnSpPr>
+          <p:cNvPr id="25" name="Straight Arrow Connector 24">
+            <a:extLst>
+              <a:ext uri="{FF2B5EF4-FFF2-40B4-BE49-F238E27FC236}">
+                <a16:creationId xmlns:a16="http://schemas.microsoft.com/office/drawing/2014/main" id="{1CD55089-702D-7342-9C20-A0F801A1C4CF}"/>
+              </a:ext>
+            </a:extLst>
+          </p:cNvPr>
+          <p:cNvCxnSpPr>
+            <a:cxnSpLocks/>
+          </p:cNvCxnSpPr>
+          <p:nvPr/>
+        </p:nvCxnSpPr>
+        <p:spPr>
+          <a:xfrm>
+            <a:off x="5118543" y="3557753"/>
+            <a:ext cx="483482" cy="1"/>
+          </a:xfrm>
+          <a:prstGeom prst="straightConnector1">
+            <a:avLst/>
+          </a:prstGeom>
+          <a:ln>
+            <a:tailEnd type="triangle"/>
+          </a:ln>
+        </p:spPr>
+        <p:style>
+          <a:lnRef idx="2">
+            <a:schemeClr val="accent1"/>
+          </a:lnRef>
+          <a:fillRef idx="0">
+            <a:schemeClr val="accent1"/>
+          </a:fillRef>
+          <a:effectRef idx="1">
+            <a:schemeClr val="accent1"/>
+          </a:effectRef>
+          <a:fontRef idx="minor">
+            <a:schemeClr val="tx1"/>
+          </a:fontRef>
+        </p:style>
+      </p:cxnSp>
+      <p:sp>
+        <p:nvSpPr>
+          <p:cNvPr id="26" name="Rounded Rectangle 25">
+            <a:extLst>
+              <a:ext uri="{FF2B5EF4-FFF2-40B4-BE49-F238E27FC236}">
+                <a16:creationId xmlns:a16="http://schemas.microsoft.com/office/drawing/2014/main" id="{81C684AA-6B12-174C-A620-C71315E65F2A}"/>
+              </a:ext>
+            </a:extLst>
+          </p:cNvPr>
+          <p:cNvSpPr/>
+          <p:nvPr/>
+        </p:nvSpPr>
+        <p:spPr>
+          <a:xfrm>
+            <a:off x="5602025" y="2974428"/>
+            <a:ext cx="1282261" cy="1219200"/>
+          </a:xfrm>
+          <a:prstGeom prst="roundRect">
+            <a:avLst/>
+          </a:prstGeom>
+        </p:spPr>
+        <p:style>
+          <a:lnRef idx="1">
+            <a:schemeClr val="accent1"/>
+          </a:lnRef>
+          <a:fillRef idx="3">
+            <a:schemeClr val="accent1"/>
+          </a:fillRef>
+          <a:effectRef idx="2">
+            <a:schemeClr val="accent1"/>
+          </a:effectRef>
+          <a:fontRef idx="minor">
+            <a:schemeClr val="lt1"/>
+          </a:fontRef>
+        </p:style>
+        <p:txBody>
+          <a:bodyPr rtlCol="0" anchor="ctr"/>
+          <a:lstStyle/>
+          <a:p>
+            <a:pPr algn="ctr"/>
+            <a:r>
+              <a:rPr lang="en-US" dirty="0"/>
+              <a:t>Umbral</a:t>
+            </a:r>
+          </a:p>
+        </p:txBody>
+      </p:sp>
+      <p:cxnSp>
+        <p:nvCxnSpPr>
+          <p:cNvPr id="27" name="Straight Arrow Connector 26">
+            <a:extLst>
+              <a:ext uri="{FF2B5EF4-FFF2-40B4-BE49-F238E27FC236}">
+                <a16:creationId xmlns:a16="http://schemas.microsoft.com/office/drawing/2014/main" id="{25F83630-8BAA-0B4B-9531-53B27CB0ED97}"/>
+              </a:ext>
+            </a:extLst>
+          </p:cNvPr>
+          <p:cNvCxnSpPr>
+            <a:cxnSpLocks/>
+          </p:cNvCxnSpPr>
+          <p:nvPr/>
+        </p:nvCxnSpPr>
+        <p:spPr>
+          <a:xfrm>
+            <a:off x="6884286" y="3552497"/>
+            <a:ext cx="1188000" cy="1"/>
+          </a:xfrm>
+          <a:prstGeom prst="straightConnector1">
+            <a:avLst/>
+          </a:prstGeom>
+          <a:ln>
+            <a:tailEnd type="triangle"/>
+          </a:ln>
+        </p:spPr>
+        <p:style>
+          <a:lnRef idx="2">
+            <a:schemeClr val="accent1"/>
+          </a:lnRef>
+          <a:fillRef idx="0">
+            <a:schemeClr val="accent1"/>
+          </a:fillRef>
+          <a:effectRef idx="1">
+            <a:schemeClr val="accent1"/>
+          </a:effectRef>
+          <a:fontRef idx="minor">
+            <a:schemeClr val="tx1"/>
+          </a:fontRef>
+        </p:style>
+      </p:cxnSp>
+      <p:pic>
+        <p:nvPicPr>
+          <p:cNvPr id="29" name="Picture 28">
+            <a:extLst>
+              <a:ext uri="{FF2B5EF4-FFF2-40B4-BE49-F238E27FC236}">
+                <a16:creationId xmlns:a16="http://schemas.microsoft.com/office/drawing/2014/main" id="{0789A9B7-E3E8-AD44-8B87-A5D27E7BEB46}"/>
+              </a:ext>
+            </a:extLst>
+          </p:cNvPr>
+          <p:cNvPicPr>
+            <a:picLocks noChangeAspect="1"/>
+          </p:cNvPicPr>
+          <p:nvPr/>
+        </p:nvPicPr>
+        <p:blipFill>
+          <a:blip r:embed="rId2"/>
+          <a:stretch>
+            <a:fillRect/>
+          </a:stretch>
+        </p:blipFill>
+        <p:spPr>
+          <a:xfrm>
+            <a:off x="6982353" y="1858835"/>
+            <a:ext cx="939800" cy="939800"/>
+          </a:xfrm>
+          <a:prstGeom prst="rect">
+            <a:avLst/>
+          </a:prstGeom>
+        </p:spPr>
+      </p:pic>
+      <p:pic>
+        <p:nvPicPr>
+          <p:cNvPr id="31" name="Picture 30">
+            <a:extLst>
+              <a:ext uri="{FF2B5EF4-FFF2-40B4-BE49-F238E27FC236}">
+                <a16:creationId xmlns:a16="http://schemas.microsoft.com/office/drawing/2014/main" id="{44287709-AC7A-B340-9E9D-D4DA1F4F433B}"/>
+              </a:ext>
+            </a:extLst>
+          </p:cNvPr>
+          <p:cNvPicPr>
+            <a:picLocks noChangeAspect="1"/>
+          </p:cNvPicPr>
+          <p:nvPr/>
+        </p:nvPicPr>
+        <p:blipFill>
+          <a:blip r:embed="rId3"/>
+          <a:stretch>
+            <a:fillRect/>
+          </a:stretch>
+        </p:blipFill>
+        <p:spPr>
+          <a:xfrm>
+            <a:off x="3836277" y="1858835"/>
+            <a:ext cx="939800" cy="939800"/>
+          </a:xfrm>
+          <a:prstGeom prst="rect">
+            <a:avLst/>
+          </a:prstGeom>
+        </p:spPr>
+      </p:pic>
+      <p:pic>
+        <p:nvPicPr>
+          <p:cNvPr id="33" name="Picture 32">
+            <a:extLst>
+              <a:ext uri="{FF2B5EF4-FFF2-40B4-BE49-F238E27FC236}">
+                <a16:creationId xmlns:a16="http://schemas.microsoft.com/office/drawing/2014/main" id="{AE724AFA-2F23-084E-9C9B-C411AD4720AC}"/>
+              </a:ext>
+            </a:extLst>
+          </p:cNvPr>
+          <p:cNvPicPr>
+            <a:picLocks noChangeAspect="1"/>
+          </p:cNvPicPr>
+          <p:nvPr/>
+        </p:nvPicPr>
+        <p:blipFill>
+          <a:blip r:embed="rId4"/>
+          <a:stretch>
+            <a:fillRect/>
+          </a:stretch>
+        </p:blipFill>
+        <p:spPr>
+          <a:xfrm>
+            <a:off x="1280510" y="1858835"/>
+            <a:ext cx="939800" cy="939800"/>
+          </a:xfrm>
+          <a:prstGeom prst="rect">
+            <a:avLst/>
+          </a:prstGeom>
+        </p:spPr>
+      </p:pic>
+      <p:pic>
+        <p:nvPicPr>
+          <p:cNvPr id="34" name="Picture 33">
+            <a:extLst>
+              <a:ext uri="{FF2B5EF4-FFF2-40B4-BE49-F238E27FC236}">
+                <a16:creationId xmlns:a16="http://schemas.microsoft.com/office/drawing/2014/main" id="{A9423B67-2053-934E-ABB9-8C3DA85A5607}"/>
+              </a:ext>
+            </a:extLst>
+          </p:cNvPr>
+          <p:cNvPicPr>
+            <a:picLocks noChangeAspect="1"/>
+          </p:cNvPicPr>
+          <p:nvPr/>
+        </p:nvPicPr>
+        <p:blipFill>
+          <a:blip r:embed="rId5"/>
+          <a:stretch>
+            <a:fillRect/>
+          </a:stretch>
+        </p:blipFill>
+        <p:spPr>
+          <a:xfrm>
+            <a:off x="4918847" y="1868654"/>
+            <a:ext cx="939800" cy="939800"/>
+          </a:xfrm>
+          <a:prstGeom prst="rect">
+            <a:avLst/>
+          </a:prstGeom>
+        </p:spPr>
+      </p:pic>
+      <p:cxnSp>
+        <p:nvCxnSpPr>
+          <p:cNvPr id="36" name="Straight Connector 35">
+            <a:extLst>
+              <a:ext uri="{FF2B5EF4-FFF2-40B4-BE49-F238E27FC236}">
+                <a16:creationId xmlns:a16="http://schemas.microsoft.com/office/drawing/2014/main" id="{9A67D00A-51CB-FB4C-8FFA-41B7FE645B2B}"/>
+              </a:ext>
+            </a:extLst>
+          </p:cNvPr>
+          <p:cNvCxnSpPr>
+            <a:stCxn id="33" idx="2"/>
+          </p:cNvCxnSpPr>
+          <p:nvPr/>
+        </p:nvCxnSpPr>
+        <p:spPr>
+          <a:xfrm>
+            <a:off x="1750410" y="2798635"/>
+            <a:ext cx="0" cy="501612"/>
+          </a:xfrm>
+          <a:prstGeom prst="line">
+            <a:avLst/>
+          </a:prstGeom>
+          <a:ln w="12700">
+            <a:solidFill>
+              <a:schemeClr val="tx1"/>
+            </a:solidFill>
+            <a:prstDash val="dash"/>
+          </a:ln>
+          <a:effectLst/>
+        </p:spPr>
+        <p:style>
+          <a:lnRef idx="2">
+            <a:schemeClr val="accent1"/>
+          </a:lnRef>
+          <a:fillRef idx="0">
+            <a:schemeClr val="accent1"/>
+          </a:fillRef>
+          <a:effectRef idx="1">
+            <a:schemeClr val="accent1"/>
+          </a:effectRef>
+          <a:fontRef idx="minor">
+            <a:schemeClr val="tx1"/>
+          </a:fontRef>
+        </p:style>
+      </p:cxnSp>
+      <p:cxnSp>
+        <p:nvCxnSpPr>
+          <p:cNvPr id="37" name="Straight Connector 36">
+            <a:extLst>
+              <a:ext uri="{FF2B5EF4-FFF2-40B4-BE49-F238E27FC236}">
+                <a16:creationId xmlns:a16="http://schemas.microsoft.com/office/drawing/2014/main" id="{1D89D765-B31E-8940-8123-6024CCF5C93B}"/>
+              </a:ext>
+            </a:extLst>
+          </p:cNvPr>
+          <p:cNvCxnSpPr/>
+          <p:nvPr/>
+        </p:nvCxnSpPr>
+        <p:spPr>
+          <a:xfrm>
+            <a:off x="4306177" y="2808454"/>
+            <a:ext cx="0" cy="501612"/>
+          </a:xfrm>
+          <a:prstGeom prst="line">
+            <a:avLst/>
+          </a:prstGeom>
+          <a:ln w="12700">
+            <a:solidFill>
+              <a:schemeClr val="tx1"/>
+            </a:solidFill>
+            <a:prstDash val="dash"/>
+          </a:ln>
+          <a:effectLst/>
+        </p:spPr>
+        <p:style>
+          <a:lnRef idx="2">
+            <a:schemeClr val="accent1"/>
+          </a:lnRef>
+          <a:fillRef idx="0">
+            <a:schemeClr val="accent1"/>
+          </a:fillRef>
+          <a:effectRef idx="1">
+            <a:schemeClr val="accent1"/>
+          </a:effectRef>
+          <a:fontRef idx="minor">
+            <a:schemeClr val="tx1"/>
+          </a:fontRef>
+        </p:style>
+      </p:cxnSp>
+      <p:cxnSp>
+        <p:nvCxnSpPr>
+          <p:cNvPr id="38" name="Straight Connector 37">
+            <a:extLst>
+              <a:ext uri="{FF2B5EF4-FFF2-40B4-BE49-F238E27FC236}">
+                <a16:creationId xmlns:a16="http://schemas.microsoft.com/office/drawing/2014/main" id="{92C1716D-450A-9042-B8FD-9723380409B1}"/>
+              </a:ext>
+            </a:extLst>
+          </p:cNvPr>
+          <p:cNvCxnSpPr/>
+          <p:nvPr/>
+        </p:nvCxnSpPr>
+        <p:spPr>
+          <a:xfrm>
+            <a:off x="5362475" y="2803199"/>
+            <a:ext cx="0" cy="501612"/>
+          </a:xfrm>
+          <a:prstGeom prst="line">
+            <a:avLst/>
+          </a:prstGeom>
+          <a:ln w="12700">
+            <a:solidFill>
+              <a:schemeClr val="tx1"/>
+            </a:solidFill>
+            <a:prstDash val="dash"/>
+          </a:ln>
+          <a:effectLst/>
+        </p:spPr>
+        <p:style>
+          <a:lnRef idx="2">
+            <a:schemeClr val="accent1"/>
+          </a:lnRef>
+          <a:fillRef idx="0">
+            <a:schemeClr val="accent1"/>
+          </a:fillRef>
+          <a:effectRef idx="1">
+            <a:schemeClr val="accent1"/>
+          </a:effectRef>
+          <a:fontRef idx="minor">
+            <a:schemeClr val="tx1"/>
+          </a:fontRef>
+        </p:style>
+      </p:cxnSp>
+      <p:cxnSp>
+        <p:nvCxnSpPr>
+          <p:cNvPr id="39" name="Straight Connector 38">
+            <a:extLst>
+              <a:ext uri="{FF2B5EF4-FFF2-40B4-BE49-F238E27FC236}">
+                <a16:creationId xmlns:a16="http://schemas.microsoft.com/office/drawing/2014/main" id="{DA5ED0BC-DC97-4D45-B7EF-C991463AF343}"/>
+              </a:ext>
+            </a:extLst>
+          </p:cNvPr>
+          <p:cNvCxnSpPr/>
+          <p:nvPr/>
+        </p:nvCxnSpPr>
+        <p:spPr>
+          <a:xfrm>
+            <a:off x="7459707" y="2798635"/>
+            <a:ext cx="0" cy="501612"/>
+          </a:xfrm>
+          <a:prstGeom prst="line">
+            <a:avLst/>
+          </a:prstGeom>
+          <a:ln w="12700">
+            <a:solidFill>
+              <a:schemeClr val="tx1"/>
+            </a:solidFill>
+            <a:prstDash val="dash"/>
+          </a:ln>
+          <a:effectLst/>
+        </p:spPr>
+        <p:style>
+          <a:lnRef idx="2">
+            <a:schemeClr val="accent1"/>
+          </a:lnRef>
+          <a:fillRef idx="0">
+            <a:schemeClr val="accent1"/>
+          </a:fillRef>
+          <a:effectRef idx="1">
+            <a:schemeClr val="accent1"/>
+          </a:effectRef>
+          <a:fontRef idx="minor">
+            <a:schemeClr val="tx1"/>
+          </a:fontRef>
+        </p:style>
+      </p:cxnSp>
+    </p:spTree>
+    <p:extLst>
+      <p:ext uri="{BB962C8B-B14F-4D97-AF65-F5344CB8AC3E}">
+        <p14:creationId xmlns:p14="http://schemas.microsoft.com/office/powerpoint/2010/main" val="1138853012"/>
+      </p:ext>
+    </p:extLst>
+  </p:cSld>
+  <p:clrMapOvr>
+    <a:masterClrMapping/>
+  </p:clrMapOvr>
+</p:sld>
+</file>
+
+<file path=ppt/slides/slide21.xml><?xml version="1.0" encoding="utf-8"?>
+<p:sld xmlns:a="http://schemas.openxmlformats.org/drawingml/2006/main" xmlns:r="http://schemas.openxmlformats.org/officeDocument/2006/relationships" xmlns:p="http://schemas.openxmlformats.org/presentationml/2006/main">
+  <p:cSld>
+    <p:spTree>
+      <p:nvGrpSpPr>
+        <p:cNvPr id="1" name=""/>
+        <p:cNvGrpSpPr/>
+        <p:nvPr/>
+      </p:nvGrpSpPr>
+      <p:grpSpPr>
+        <a:xfrm>
+          <a:off x="0" y="0"/>
+          <a:ext cx="0" cy="0"/>
+          <a:chOff x="0" y="0"/>
+          <a:chExt cx="0" cy="0"/>
+        </a:xfrm>
+      </p:grpSpPr>
+      <p:pic>
+        <p:nvPicPr>
+          <p:cNvPr id="4" name="Picture 3">
+            <a:extLst>
+              <a:ext uri="{FF2B5EF4-FFF2-40B4-BE49-F238E27FC236}">
+                <a16:creationId xmlns:a16="http://schemas.microsoft.com/office/drawing/2014/main" id="{52C3B7CF-75BE-E647-AA03-774E05A5D7B7}"/>
+              </a:ext>
+            </a:extLst>
+          </p:cNvPr>
+          <p:cNvPicPr>
+            <a:picLocks noChangeAspect="1"/>
+          </p:cNvPicPr>
+          <p:nvPr/>
+        </p:nvPicPr>
+        <p:blipFill>
+          <a:blip r:embed="rId2"/>
+          <a:stretch>
+            <a:fillRect/>
+          </a:stretch>
+        </p:blipFill>
+        <p:spPr>
+          <a:xfrm>
+            <a:off x="0" y="1079967"/>
+            <a:ext cx="9144000" cy="4698066"/>
+          </a:xfrm>
+          <a:prstGeom prst="rect">
+            <a:avLst/>
+          </a:prstGeom>
+        </p:spPr>
+      </p:pic>
+    </p:spTree>
+    <p:extLst>
+      <p:ext uri="{BB962C8B-B14F-4D97-AF65-F5344CB8AC3E}">
+        <p14:creationId xmlns:p14="http://schemas.microsoft.com/office/powerpoint/2010/main" val="254183198"/>
+      </p:ext>
+    </p:extLst>
+  </p:cSld>
+  <p:clrMapOvr>
+    <a:masterClrMapping/>
+  </p:clrMapOvr>
 </p:sld>
 </file>
 
